--- a/Kata Pacman/AppKata Pacman - Pr�sentation.pptx
+++ b/Kata Pacman/AppKata Pacman - Pr�sentation.pptx
@@ -4194,10 +4194,39 @@
           <a:lstStyle/>
           <a:p>
             <a:r>
-              <a:rPr lang="de-DE" smtClean="0"/>
-              <a:t>???</a:t>
-            </a:r>
-            <a:endParaRPr lang="de-DE"/>
+              <a:rPr lang="de-DE" dirty="0" err="1" smtClean="0"/>
+              <a:t>Spiken</a:t>
+            </a:r>
+            <a:r>
+              <a:rPr lang="de-DE" smtClean="0"/>
+              <a:t> (14.03</a:t>
+            </a:r>
+            <a:r>
+              <a:rPr lang="de-DE" dirty="0" smtClean="0"/>
+              <a:t>.)</a:t>
+            </a:r>
+          </a:p>
+          <a:p>
+            <a:pPr lvl="1"/>
+            <a:r>
+              <a:rPr lang="de-DE" dirty="0" smtClean="0"/>
+              <a:t>Viereck auf einer Fläche zeichnen</a:t>
+            </a:r>
+          </a:p>
+          <a:p>
+            <a:pPr lvl="1"/>
+            <a:r>
+              <a:rPr lang="de-DE" dirty="0" smtClean="0"/>
+              <a:t>Viereck auf der Fläche bewegen lassen</a:t>
+            </a:r>
+          </a:p>
+          <a:p>
+            <a:pPr lvl="1"/>
+            <a:r>
+              <a:rPr lang="de-DE" dirty="0" smtClean="0"/>
+              <a:t>Viereck auf der Fläche per Tastatur steuern</a:t>
+            </a:r>
+            <a:endParaRPr lang="de-DE" dirty="0"/>
           </a:p>
         </p:txBody>
       </p:sp>
@@ -5441,21 +5470,12 @@
             </a:r>
             <a:r>
               <a:rPr lang="de-DE" smtClean="0"/>
-              <a:t>auf </a:t>
-            </a:r>
-            <a:r>
-              <a:rPr lang="de-DE" smtClean="0"/>
-              <a:t>und </a:t>
+              <a:t>auf und </a:t>
             </a:r>
             <a:r>
               <a:rPr lang="de-DE" dirty="0" smtClean="0"/>
-              <a:t>die Monster bewegen </a:t>
-            </a:r>
-            <a:r>
-              <a:rPr lang="de-DE" dirty="0" smtClean="0"/>
-              <a:t>sich im Ganzen.</a:t>
-            </a:r>
-            <a:endParaRPr lang="de-DE" dirty="0" smtClean="0"/>
+              <a:t>die Monster bewegen sich im Ganzen.</a:t>
+            </a:r>
           </a:p>
           <a:p>
             <a:pPr>

--- a/Kata Pacman/AppKata Pacman - Pr�sentation.pptx
+++ b/Kata Pacman/AppKata Pacman - Pr�sentation.pptx
@@ -17,6 +17,7 @@
     <p:sldId id="265" r:id="rId11"/>
     <p:sldId id="269" r:id="rId12"/>
     <p:sldId id="264" r:id="rId13"/>
+    <p:sldId id="270" r:id="rId14"/>
   </p:sldIdLst>
   <p:sldSz cx="9144000" cy="6858000" type="screen4x3"/>
   <p:notesSz cx="6858000" cy="9144000"/>
@@ -366,7 +367,7 @@
           <a:p>
             <a:fld id="{8D6250D1-E400-4C5D-8931-F8C237130A7E}" type="datetimeFigureOut">
               <a:rPr lang="de-DE" smtClean="0"/>
-              <a:t>14.03.2012</a:t>
+              <a:t>18.04.2012</a:t>
             </a:fld>
             <a:endParaRPr lang="de-DE"/>
           </a:p>
@@ -589,7 +590,7 @@
           <a:p>
             <a:fld id="{8D6250D1-E400-4C5D-8931-F8C237130A7E}" type="datetimeFigureOut">
               <a:rPr lang="de-DE" smtClean="0"/>
-              <a:t>14.03.2012</a:t>
+              <a:t>18.04.2012</a:t>
             </a:fld>
             <a:endParaRPr lang="de-DE"/>
           </a:p>
@@ -869,7 +870,7 @@
           <a:p>
             <a:fld id="{8D6250D1-E400-4C5D-8931-F8C237130A7E}" type="datetimeFigureOut">
               <a:rPr lang="de-DE" smtClean="0"/>
-              <a:t>14.03.2012</a:t>
+              <a:t>18.04.2012</a:t>
             </a:fld>
             <a:endParaRPr lang="de-DE"/>
           </a:p>
@@ -1048,7 +1049,7 @@
           <a:p>
             <a:fld id="{8D6250D1-E400-4C5D-8931-F8C237130A7E}" type="datetimeFigureOut">
               <a:rPr lang="de-DE" smtClean="0"/>
-              <a:t>14.03.2012</a:t>
+              <a:t>18.04.2012</a:t>
             </a:fld>
             <a:endParaRPr lang="de-DE"/>
           </a:p>
@@ -1406,7 +1407,7 @@
           <a:p>
             <a:fld id="{8D6250D1-E400-4C5D-8931-F8C237130A7E}" type="datetimeFigureOut">
               <a:rPr lang="de-DE" smtClean="0"/>
-              <a:t>14.03.2012</a:t>
+              <a:t>18.04.2012</a:t>
             </a:fld>
             <a:endParaRPr lang="de-DE"/>
           </a:p>
@@ -1693,7 +1694,7 @@
           <a:p>
             <a:fld id="{8D6250D1-E400-4C5D-8931-F8C237130A7E}" type="datetimeFigureOut">
               <a:rPr lang="de-DE" smtClean="0"/>
-              <a:t>14.03.2012</a:t>
+              <a:t>18.04.2012</a:t>
             </a:fld>
             <a:endParaRPr lang="de-DE"/>
           </a:p>
@@ -2115,7 +2116,7 @@
           <a:p>
             <a:fld id="{8D6250D1-E400-4C5D-8931-F8C237130A7E}" type="datetimeFigureOut">
               <a:rPr lang="de-DE" smtClean="0"/>
-              <a:t>14.03.2012</a:t>
+              <a:t>18.04.2012</a:t>
             </a:fld>
             <a:endParaRPr lang="de-DE"/>
           </a:p>
@@ -2230,7 +2231,7 @@
           <a:p>
             <a:fld id="{8D6250D1-E400-4C5D-8931-F8C237130A7E}" type="datetimeFigureOut">
               <a:rPr lang="de-DE" smtClean="0"/>
-              <a:t>14.03.2012</a:t>
+              <a:t>18.04.2012</a:t>
             </a:fld>
             <a:endParaRPr lang="de-DE"/>
           </a:p>
@@ -2320,7 +2321,7 @@
           <a:p>
             <a:fld id="{8D6250D1-E400-4C5D-8931-F8C237130A7E}" type="datetimeFigureOut">
               <a:rPr lang="de-DE" smtClean="0"/>
-              <a:t>14.03.2012</a:t>
+              <a:t>18.04.2012</a:t>
             </a:fld>
             <a:endParaRPr lang="de-DE"/>
           </a:p>
@@ -2598,7 +2599,7 @@
           <a:p>
             <a:fld id="{8D6250D1-E400-4C5D-8931-F8C237130A7E}" type="datetimeFigureOut">
               <a:rPr lang="de-DE" smtClean="0"/>
-              <a:t>14.03.2012</a:t>
+              <a:t>18.04.2012</a:t>
             </a:fld>
             <a:endParaRPr lang="de-DE"/>
           </a:p>
@@ -2964,7 +2965,7 @@
           <a:p>
             <a:fld id="{8D6250D1-E400-4C5D-8931-F8C237130A7E}" type="datetimeFigureOut">
               <a:rPr lang="de-DE" smtClean="0"/>
-              <a:t>14.03.2012</a:t>
+              <a:t>18.04.2012</a:t>
             </a:fld>
             <a:endParaRPr lang="de-DE"/>
           </a:p>
@@ -3401,7 +3402,7 @@
           <a:p>
             <a:fld id="{8D6250D1-E400-4C5D-8931-F8C237130A7E}" type="datetimeFigureOut">
               <a:rPr lang="de-DE" smtClean="0"/>
-              <a:t>14.03.2012</a:t>
+              <a:t>18.04.2012</a:t>
             </a:fld>
             <a:endParaRPr lang="de-DE"/>
           </a:p>
@@ -4198,12 +4199,8 @@
               <a:t>Spiken</a:t>
             </a:r>
             <a:r>
-              <a:rPr lang="de-DE" smtClean="0"/>
-              <a:t> (14.03</a:t>
-            </a:r>
-            <a:r>
               <a:rPr lang="de-DE" dirty="0" smtClean="0"/>
-              <a:t>.)</a:t>
+              <a:t> (14.03.)</a:t>
             </a:r>
           </a:p>
           <a:p>
@@ -4224,7 +4221,22 @@
             <a:pPr lvl="1"/>
             <a:r>
               <a:rPr lang="de-DE" dirty="0" smtClean="0"/>
-              <a:t>Viereck auf der Fläche per Tastatur steuern</a:t>
+              <a:t>Viereck auf der Fläche per Tastatur </a:t>
+            </a:r>
+            <a:r>
+              <a:rPr lang="de-DE" dirty="0" smtClean="0"/>
+              <a:t>steuern</a:t>
+            </a:r>
+          </a:p>
+          <a:p>
+            <a:pPr lvl="1"/>
+            <a:r>
+              <a:rPr lang="de-DE" dirty="0" err="1" smtClean="0"/>
+              <a:t>Pausemodus</a:t>
+            </a:r>
+            <a:r>
+              <a:rPr lang="de-DE" dirty="0" smtClean="0"/>
+              <a:t> implementieren</a:t>
             </a:r>
             <a:endParaRPr lang="de-DE" dirty="0"/>
           </a:p>
@@ -4234,6 +4246,168 @@
     <p:extLst>
       <p:ext uri="{BB962C8B-B14F-4D97-AF65-F5344CB8AC3E}">
         <p14:creationId xmlns:p14="http://schemas.microsoft.com/office/powerpoint/2010/main" val="651226561"/>
+      </p:ext>
+    </p:extLst>
+  </p:cSld>
+  <p:clrMapOvr>
+    <a:masterClrMapping/>
+  </p:clrMapOvr>
+  <p:timing>
+    <p:tnLst>
+      <p:par>
+        <p:cTn id="1" dur="indefinite" restart="never" nodeType="tmRoot"/>
+      </p:par>
+    </p:tnLst>
+  </p:timing>
+</p:sld>
+</file>
+
+<file path=ppt/slides/slide13.xml><?xml version="1.0" encoding="utf-8"?>
+<p:sld xmlns:a="http://schemas.openxmlformats.org/drawingml/2006/main" xmlns:r="http://schemas.openxmlformats.org/officeDocument/2006/relationships" xmlns:p="http://schemas.openxmlformats.org/presentationml/2006/main">
+  <p:cSld>
+    <p:spTree>
+      <p:nvGrpSpPr>
+        <p:cNvPr id="1" name=""/>
+        <p:cNvGrpSpPr/>
+        <p:nvPr/>
+      </p:nvGrpSpPr>
+      <p:grpSpPr>
+        <a:xfrm>
+          <a:off x="0" y="0"/>
+          <a:ext cx="0" cy="0"/>
+          <a:chOff x="0" y="0"/>
+          <a:chExt cx="0" cy="0"/>
+        </a:xfrm>
+      </p:grpSpPr>
+      <p:sp>
+        <p:nvSpPr>
+          <p:cNvPr id="2" name="Titel 1"/>
+          <p:cNvSpPr>
+            <a:spLocks noGrp="1"/>
+          </p:cNvSpPr>
+          <p:nvPr>
+            <p:ph type="title"/>
+          </p:nvPr>
+        </p:nvSpPr>
+        <p:spPr/>
+        <p:txBody>
+          <a:bodyPr/>
+          <a:lstStyle/>
+          <a:p>
+            <a:r>
+              <a:rPr lang="de-DE" dirty="0" smtClean="0"/>
+              <a:t>Was heute passiert</a:t>
+            </a:r>
+            <a:endParaRPr lang="de-DE" dirty="0"/>
+          </a:p>
+        </p:txBody>
+      </p:sp>
+      <p:sp>
+        <p:nvSpPr>
+          <p:cNvPr id="3" name="Inhaltsplatzhalter 2"/>
+          <p:cNvSpPr>
+            <a:spLocks noGrp="1"/>
+          </p:cNvSpPr>
+          <p:nvPr>
+            <p:ph idx="1"/>
+          </p:nvPr>
+        </p:nvSpPr>
+        <p:spPr/>
+        <p:txBody>
+          <a:bodyPr/>
+          <a:lstStyle/>
+          <a:p>
+            <a:r>
+              <a:rPr lang="de-DE" dirty="0" smtClean="0"/>
+              <a:t>18.04.</a:t>
+            </a:r>
+          </a:p>
+          <a:p>
+            <a:r>
+              <a:rPr lang="de-DE" dirty="0" smtClean="0"/>
+              <a:t>Christian zeigt sein </a:t>
+            </a:r>
+            <a:r>
+              <a:rPr lang="de-DE" dirty="0" err="1" smtClean="0"/>
+              <a:t>Pacman</a:t>
+            </a:r>
+            <a:r>
+              <a:rPr lang="de-DE" dirty="0" smtClean="0"/>
+              <a:t> Projekt </a:t>
+            </a:r>
+          </a:p>
+          <a:p>
+            <a:pPr lvl="1"/>
+            <a:r>
+              <a:rPr lang="de-DE" dirty="0" smtClean="0"/>
+              <a:t>MVVM mit </a:t>
+            </a:r>
+            <a:r>
+              <a:rPr lang="de-DE" dirty="0" err="1" smtClean="0"/>
+              <a:t>Caliburn</a:t>
+            </a:r>
+            <a:r>
+              <a:rPr lang="de-DE" dirty="0" smtClean="0"/>
+              <a:t> </a:t>
+            </a:r>
+            <a:r>
+              <a:rPr lang="de-DE" dirty="0" err="1" smtClean="0"/>
+              <a:t>Micro</a:t>
+            </a:r>
+            <a:endParaRPr lang="de-DE" dirty="0" smtClean="0"/>
+          </a:p>
+          <a:p>
+            <a:r>
+              <a:rPr lang="de-DE" dirty="0" err="1" smtClean="0"/>
+              <a:t>Spiken</a:t>
+            </a:r>
+            <a:r>
+              <a:rPr lang="de-DE" dirty="0"/>
+              <a:t> </a:t>
+            </a:r>
+            <a:r>
+              <a:rPr lang="de-DE" dirty="0" smtClean="0"/>
+              <a:t>mit </a:t>
+            </a:r>
+            <a:r>
+              <a:rPr lang="de-DE" dirty="0" err="1" smtClean="0"/>
+              <a:t>Caliburn</a:t>
+            </a:r>
+            <a:r>
+              <a:rPr lang="de-DE" dirty="0" smtClean="0"/>
+              <a:t> </a:t>
+            </a:r>
+            <a:r>
+              <a:rPr lang="de-DE" dirty="0" err="1" smtClean="0"/>
+              <a:t>Micro</a:t>
+            </a:r>
+            <a:endParaRPr lang="de-DE" dirty="0" smtClean="0"/>
+          </a:p>
+          <a:p>
+            <a:pPr lvl="1"/>
+            <a:r>
+              <a:rPr lang="de-DE" dirty="0" smtClean="0"/>
+              <a:t>Bewegen einer Figur mit Hilfe der Cursor-Tasten</a:t>
+            </a:r>
+          </a:p>
+          <a:p>
+            <a:pPr lvl="1"/>
+            <a:r>
+              <a:rPr lang="de-DE" dirty="0" smtClean="0"/>
+              <a:t>Verwenden einer </a:t>
+            </a:r>
+            <a:r>
+              <a:rPr lang="de-DE" smtClean="0"/>
+              <a:t>Gameengine</a:t>
+            </a:r>
+            <a:endParaRPr lang="de-DE" dirty="0"/>
+          </a:p>
+        </p:txBody>
+      </p:sp>
+    </p:spTree>
+    <p:extLst>
+      <p:ext uri="{BB962C8B-B14F-4D97-AF65-F5344CB8AC3E}">
+        <p14:creationId xmlns:p14="http://schemas.microsoft.com/office/powerpoint/2010/main" val="1406538628"/>
       </p:ext>
     </p:extLst>
   </p:cSld>
@@ -4319,7 +4493,17 @@
           <a:p>
             <a:r>
               <a:rPr lang="de-DE" dirty="0" smtClean="0"/>
-              <a:t>Beschreibung der UI</a:t>
+              <a:t>Beschreibung der </a:t>
+            </a:r>
+            <a:r>
+              <a:rPr lang="de-DE" dirty="0" smtClean="0"/>
+              <a:t>UI</a:t>
+            </a:r>
+          </a:p>
+          <a:p>
+            <a:r>
+              <a:rPr lang="de-DE" dirty="0" smtClean="0"/>
+              <a:t>Spikes entwickelt</a:t>
             </a:r>
             <a:endParaRPr lang="de-DE" dirty="0"/>
           </a:p>

--- a/Kata Pacman/AppKata Pacman - Pr�sentation.pptx
+++ b/Kata Pacman/AppKata Pacman - Pr�sentation.pptx
@@ -4221,11 +4221,7 @@
             <a:pPr lvl="1"/>
             <a:r>
               <a:rPr lang="de-DE" dirty="0" smtClean="0"/>
-              <a:t>Viereck auf der Fläche per Tastatur </a:t>
-            </a:r>
-            <a:r>
-              <a:rPr lang="de-DE" dirty="0" smtClean="0"/>
-              <a:t>steuern</a:t>
+              <a:t>Viereck auf der Fläche per Tastatur steuern</a:t>
             </a:r>
           </a:p>
           <a:p>
@@ -4397,8 +4393,34 @@
               <a:t>Verwenden einer </a:t>
             </a:r>
             <a:r>
+              <a:rPr lang="de-DE" dirty="0" err="1" smtClean="0"/>
+              <a:t>Gameengine</a:t>
+            </a:r>
+            <a:endParaRPr lang="de-DE" dirty="0" smtClean="0"/>
+          </a:p>
+          <a:p>
+            <a:pPr lvl="1"/>
+            <a:r>
+              <a:rPr lang="de-DE" dirty="0" smtClean="0"/>
+              <a:t>Review… </a:t>
+            </a:r>
+          </a:p>
+          <a:p>
+            <a:pPr lvl="2"/>
+            <a:r>
+              <a:rPr lang="de-DE" dirty="0" smtClean="0"/>
+              <a:t>Leider nicht geschafft</a:t>
+            </a:r>
+          </a:p>
+          <a:p>
+            <a:pPr lvl="2"/>
+            <a:r>
+              <a:rPr lang="de-DE" dirty="0" smtClean="0"/>
+              <a:t>Lieber testgetrieben und wieder mit </a:t>
+            </a:r>
+            <a:r>
               <a:rPr lang="de-DE" smtClean="0"/>
-              <a:t>Gameengine</a:t>
+              <a:t>Planung vorgehen</a:t>
             </a:r>
             <a:endParaRPr lang="de-DE" dirty="0"/>
           </a:p>
@@ -4493,11 +4515,7 @@
           <a:p>
             <a:r>
               <a:rPr lang="de-DE" dirty="0" smtClean="0"/>
-              <a:t>Beschreibung der </a:t>
-            </a:r>
-            <a:r>
-              <a:rPr lang="de-DE" dirty="0" smtClean="0"/>
-              <a:t>UI</a:t>
+              <a:t>Beschreibung der UI</a:t>
             </a:r>
           </a:p>
           <a:p>

--- a/Kata Pacman/AppKata Pacman - Pr�sentation.pptx
+++ b/Kata Pacman/AppKata Pacman - Pr�sentation.pptx
@@ -18,6 +18,7 @@
     <p:sldId id="269" r:id="rId12"/>
     <p:sldId id="264" r:id="rId13"/>
     <p:sldId id="270" r:id="rId14"/>
+    <p:sldId id="271" r:id="rId15"/>
   </p:sldIdLst>
   <p:sldSz cx="9144000" cy="6858000" type="screen4x3"/>
   <p:notesSz cx="6858000" cy="9144000"/>
@@ -367,7 +368,7 @@
           <a:p>
             <a:fld id="{8D6250D1-E400-4C5D-8931-F8C237130A7E}" type="datetimeFigureOut">
               <a:rPr lang="de-DE" smtClean="0"/>
-              <a:t>18.04.2012</a:t>
+              <a:t>08.05.2012</a:t>
             </a:fld>
             <a:endParaRPr lang="de-DE"/>
           </a:p>
@@ -590,7 +591,7 @@
           <a:p>
             <a:fld id="{8D6250D1-E400-4C5D-8931-F8C237130A7E}" type="datetimeFigureOut">
               <a:rPr lang="de-DE" smtClean="0"/>
-              <a:t>18.04.2012</a:t>
+              <a:t>08.05.2012</a:t>
             </a:fld>
             <a:endParaRPr lang="de-DE"/>
           </a:p>
@@ -870,7 +871,7 @@
           <a:p>
             <a:fld id="{8D6250D1-E400-4C5D-8931-F8C237130A7E}" type="datetimeFigureOut">
               <a:rPr lang="de-DE" smtClean="0"/>
-              <a:t>18.04.2012</a:t>
+              <a:t>08.05.2012</a:t>
             </a:fld>
             <a:endParaRPr lang="de-DE"/>
           </a:p>
@@ -1049,7 +1050,7 @@
           <a:p>
             <a:fld id="{8D6250D1-E400-4C5D-8931-F8C237130A7E}" type="datetimeFigureOut">
               <a:rPr lang="de-DE" smtClean="0"/>
-              <a:t>18.04.2012</a:t>
+              <a:t>08.05.2012</a:t>
             </a:fld>
             <a:endParaRPr lang="de-DE"/>
           </a:p>
@@ -1407,7 +1408,7 @@
           <a:p>
             <a:fld id="{8D6250D1-E400-4C5D-8931-F8C237130A7E}" type="datetimeFigureOut">
               <a:rPr lang="de-DE" smtClean="0"/>
-              <a:t>18.04.2012</a:t>
+              <a:t>08.05.2012</a:t>
             </a:fld>
             <a:endParaRPr lang="de-DE"/>
           </a:p>
@@ -1694,7 +1695,7 @@
           <a:p>
             <a:fld id="{8D6250D1-E400-4C5D-8931-F8C237130A7E}" type="datetimeFigureOut">
               <a:rPr lang="de-DE" smtClean="0"/>
-              <a:t>18.04.2012</a:t>
+              <a:t>08.05.2012</a:t>
             </a:fld>
             <a:endParaRPr lang="de-DE"/>
           </a:p>
@@ -2116,7 +2117,7 @@
           <a:p>
             <a:fld id="{8D6250D1-E400-4C5D-8931-F8C237130A7E}" type="datetimeFigureOut">
               <a:rPr lang="de-DE" smtClean="0"/>
-              <a:t>18.04.2012</a:t>
+              <a:t>08.05.2012</a:t>
             </a:fld>
             <a:endParaRPr lang="de-DE"/>
           </a:p>
@@ -2231,7 +2232,7 @@
           <a:p>
             <a:fld id="{8D6250D1-E400-4C5D-8931-F8C237130A7E}" type="datetimeFigureOut">
               <a:rPr lang="de-DE" smtClean="0"/>
-              <a:t>18.04.2012</a:t>
+              <a:t>08.05.2012</a:t>
             </a:fld>
             <a:endParaRPr lang="de-DE"/>
           </a:p>
@@ -2321,7 +2322,7 @@
           <a:p>
             <a:fld id="{8D6250D1-E400-4C5D-8931-F8C237130A7E}" type="datetimeFigureOut">
               <a:rPr lang="de-DE" smtClean="0"/>
-              <a:t>18.04.2012</a:t>
+              <a:t>08.05.2012</a:t>
             </a:fld>
             <a:endParaRPr lang="de-DE"/>
           </a:p>
@@ -2599,7 +2600,7 @@
           <a:p>
             <a:fld id="{8D6250D1-E400-4C5D-8931-F8C237130A7E}" type="datetimeFigureOut">
               <a:rPr lang="de-DE" smtClean="0"/>
-              <a:t>18.04.2012</a:t>
+              <a:t>08.05.2012</a:t>
             </a:fld>
             <a:endParaRPr lang="de-DE"/>
           </a:p>
@@ -2965,7 +2966,7 @@
           <a:p>
             <a:fld id="{8D6250D1-E400-4C5D-8931-F8C237130A7E}" type="datetimeFigureOut">
               <a:rPr lang="de-DE" smtClean="0"/>
-              <a:t>18.04.2012</a:t>
+              <a:t>08.05.2012</a:t>
             </a:fld>
             <a:endParaRPr lang="de-DE"/>
           </a:p>
@@ -3402,7 +3403,7 @@
           <a:p>
             <a:fld id="{8D6250D1-E400-4C5D-8931-F8C237130A7E}" type="datetimeFigureOut">
               <a:rPr lang="de-DE" smtClean="0"/>
-              <a:t>18.04.2012</a:t>
+              <a:t>08.05.2012</a:t>
             </a:fld>
             <a:endParaRPr lang="de-DE"/>
           </a:p>
@@ -4446,6 +4447,196 @@
 </p:sld>
 </file>
 
+<file path=ppt/slides/slide14.xml><?xml version="1.0" encoding="utf-8"?>
+<p:sld xmlns:a="http://schemas.openxmlformats.org/drawingml/2006/main" xmlns:r="http://schemas.openxmlformats.org/officeDocument/2006/relationships" xmlns:p="http://schemas.openxmlformats.org/presentationml/2006/main">
+  <p:cSld>
+    <p:spTree>
+      <p:nvGrpSpPr>
+        <p:cNvPr id="1" name=""/>
+        <p:cNvGrpSpPr/>
+        <p:nvPr/>
+      </p:nvGrpSpPr>
+      <p:grpSpPr>
+        <a:xfrm>
+          <a:off x="0" y="0"/>
+          <a:ext cx="0" cy="0"/>
+          <a:chOff x="0" y="0"/>
+          <a:chExt cx="0" cy="0"/>
+        </a:xfrm>
+      </p:grpSpPr>
+      <p:sp>
+        <p:nvSpPr>
+          <p:cNvPr id="2" name="Titel 1"/>
+          <p:cNvSpPr>
+            <a:spLocks noGrp="1"/>
+          </p:cNvSpPr>
+          <p:nvPr>
+            <p:ph type="title"/>
+          </p:nvPr>
+        </p:nvSpPr>
+        <p:spPr/>
+        <p:txBody>
+          <a:bodyPr/>
+          <a:lstStyle/>
+          <a:p>
+            <a:r>
+              <a:rPr lang="de-DE" dirty="0" smtClean="0"/>
+              <a:t>Was heute passiert</a:t>
+            </a:r>
+            <a:endParaRPr lang="de-DE" dirty="0"/>
+          </a:p>
+        </p:txBody>
+      </p:sp>
+      <p:sp>
+        <p:nvSpPr>
+          <p:cNvPr id="3" name="Inhaltsplatzhalter 2"/>
+          <p:cNvSpPr>
+            <a:spLocks noGrp="1"/>
+          </p:cNvSpPr>
+          <p:nvPr>
+            <p:ph idx="1"/>
+          </p:nvPr>
+        </p:nvSpPr>
+        <p:spPr/>
+        <p:txBody>
+          <a:bodyPr>
+            <a:normAutofit lnSpcReduction="10000"/>
+          </a:bodyPr>
+          <a:lstStyle/>
+          <a:p>
+            <a:r>
+              <a:rPr lang="de-DE" dirty="0"/>
+              <a:t>0</a:t>
+            </a:r>
+            <a:r>
+              <a:rPr lang="de-DE" dirty="0" smtClean="0"/>
+              <a:t>8.05.</a:t>
+            </a:r>
+          </a:p>
+          <a:p>
+            <a:r>
+              <a:rPr lang="de-DE" dirty="0" smtClean="0"/>
+              <a:t>Klärung des Architekturmodells</a:t>
+            </a:r>
+          </a:p>
+          <a:p>
+            <a:pPr lvl="1"/>
+            <a:r>
+              <a:rPr lang="de-DE" dirty="0" smtClean="0"/>
+              <a:t>Game Engine zu View zu </a:t>
+            </a:r>
+            <a:r>
+              <a:rPr lang="de-DE" dirty="0" err="1" smtClean="0"/>
+              <a:t>ViewModel</a:t>
+            </a:r>
+            <a:endParaRPr lang="de-DE" dirty="0" smtClean="0"/>
+          </a:p>
+          <a:p>
+            <a:pPr lvl="1"/>
+            <a:r>
+              <a:rPr lang="de-DE" dirty="0" smtClean="0"/>
+              <a:t>Mit oder ohne </a:t>
+            </a:r>
+            <a:r>
+              <a:rPr lang="de-DE" dirty="0" err="1" smtClean="0"/>
+              <a:t>MessageBus</a:t>
+            </a:r>
+            <a:endParaRPr lang="de-DE" dirty="0"/>
+          </a:p>
+          <a:p>
+            <a:r>
+              <a:rPr lang="de-DE" dirty="0" smtClean="0"/>
+              <a:t>Definition </a:t>
+            </a:r>
+          </a:p>
+          <a:p>
+            <a:pPr lvl="1"/>
+            <a:r>
+              <a:rPr lang="de-DE" dirty="0" smtClean="0"/>
+              <a:t>der </a:t>
+            </a:r>
+            <a:r>
+              <a:rPr lang="de-DE" dirty="0" err="1" smtClean="0"/>
+              <a:t>Contracts</a:t>
+            </a:r>
+            <a:r>
+              <a:rPr lang="de-DE" dirty="0" smtClean="0"/>
+              <a:t> zum Bewegen von </a:t>
+            </a:r>
+            <a:r>
+              <a:rPr lang="de-DE" dirty="0" err="1" smtClean="0"/>
+              <a:t>Pacman</a:t>
+            </a:r>
+            <a:endParaRPr lang="de-DE" dirty="0" smtClean="0"/>
+          </a:p>
+          <a:p>
+            <a:pPr lvl="1"/>
+            <a:r>
+              <a:rPr lang="de-DE" dirty="0" smtClean="0"/>
+              <a:t>Position ist ein X-Y Objekt vom Typ </a:t>
+            </a:r>
+            <a:r>
+              <a:rPr lang="de-DE" dirty="0" err="1" smtClean="0">
+                <a:latin typeface="Courier New" pitchFamily="49" charset="0"/>
+                <a:cs typeface="Courier New" pitchFamily="49" charset="0"/>
+              </a:rPr>
+              <a:t>float</a:t>
+            </a:r>
+            <a:endParaRPr lang="de-DE" dirty="0" smtClean="0">
+              <a:latin typeface="Courier New" pitchFamily="49" charset="0"/>
+              <a:cs typeface="Courier New" pitchFamily="49" charset="0"/>
+            </a:endParaRPr>
+          </a:p>
+          <a:p>
+            <a:r>
+              <a:rPr lang="de-DE" dirty="0" smtClean="0"/>
+              <a:t>Review</a:t>
+            </a:r>
+          </a:p>
+          <a:p>
+            <a:pPr lvl="1"/>
+            <a:r>
+              <a:rPr lang="de-DE" dirty="0" err="1" smtClean="0"/>
+              <a:t>Timeslots</a:t>
+            </a:r>
+            <a:r>
+              <a:rPr lang="de-DE" dirty="0" smtClean="0"/>
+              <a:t> </a:t>
+            </a:r>
+            <a:r>
+              <a:rPr lang="de-DE" smtClean="0"/>
+              <a:t>für Diskussionen </a:t>
+            </a:r>
+            <a:r>
+              <a:rPr lang="de-DE" dirty="0" smtClean="0"/>
+              <a:t>festlegen</a:t>
+            </a:r>
+          </a:p>
+          <a:p>
+            <a:endParaRPr lang="de-DE" dirty="0" smtClean="0"/>
+          </a:p>
+        </p:txBody>
+      </p:sp>
+    </p:spTree>
+    <p:extLst>
+      <p:ext uri="{BB962C8B-B14F-4D97-AF65-F5344CB8AC3E}">
+        <p14:creationId xmlns:p14="http://schemas.microsoft.com/office/powerpoint/2010/main" val="1063939210"/>
+      </p:ext>
+    </p:extLst>
+  </p:cSld>
+  <p:clrMapOvr>
+    <a:masterClrMapping/>
+  </p:clrMapOvr>
+  <p:timing>
+    <p:tnLst>
+      <p:par>
+        <p:cTn id="1" dur="indefinite" restart="never" nodeType="tmRoot"/>
+      </p:par>
+    </p:tnLst>
+  </p:timing>
+</p:sld>
+</file>
+
 <file path=ppt/slides/slide2.xml><?xml version="1.0" encoding="utf-8"?>
 <p:sld xmlns:a="http://schemas.openxmlformats.org/drawingml/2006/main" xmlns:r="http://schemas.openxmlformats.org/officeDocument/2006/relationships" xmlns:p="http://schemas.openxmlformats.org/presentationml/2006/main">
   <p:cSld>
